--- a/Presentazione_Progettazione.pptx
+++ b/Presentazione_Progettazione.pptx
@@ -815,7 +815,7 @@
   <p:cSld>
     <p:spTree>
       <p:nvGrpSpPr>
-        <p:cNvPr id="114" name="Shape 114"/>
+        <p:cNvPr id="115" name="Shape 115"/>
         <p:cNvGrpSpPr/>
         <p:nvPr/>
       </p:nvGrpSpPr>
@@ -829,7 +829,7 @@
       </p:grpSpPr>
       <p:sp>
         <p:nvSpPr>
-          <p:cNvPr id="115" name="Google Shape;115;g268a7fbda01_2_4:notes"/>
+          <p:cNvPr id="116" name="Google Shape;116;g268a7fbda01_2_4:notes"/>
           <p:cNvSpPr/>
           <p:nvPr>
             <p:ph idx="2" type="sldImg"/>
@@ -864,7 +864,7 @@
       </p:sp>
       <p:sp>
         <p:nvSpPr>
-          <p:cNvPr id="116" name="Google Shape;116;g268a7fbda01_2_4:notes"/>
+          <p:cNvPr id="117" name="Google Shape;117;g268a7fbda01_2_4:notes"/>
           <p:cNvSpPr txBox="1"/>
           <p:nvPr>
             <p:ph idx="1" type="body"/>
@@ -1310,7 +1310,7 @@
   <p:cSld>
     <p:spTree>
       <p:nvGrpSpPr>
-        <p:cNvPr id="86" name="Shape 86"/>
+        <p:cNvPr id="87" name="Shape 87"/>
         <p:cNvGrpSpPr/>
         <p:nvPr/>
       </p:nvGrpSpPr>
@@ -1324,7 +1324,7 @@
       </p:grpSpPr>
       <p:sp>
         <p:nvSpPr>
-          <p:cNvPr id="87" name="Google Shape;87;g268a7fbda01_0_10:notes"/>
+          <p:cNvPr id="88" name="Google Shape;88;g268a7fbda01_0_10:notes"/>
           <p:cNvSpPr/>
           <p:nvPr>
             <p:ph idx="2" type="sldImg"/>
@@ -1359,7 +1359,7 @@
       </p:sp>
       <p:sp>
         <p:nvSpPr>
-          <p:cNvPr id="88" name="Google Shape;88;g268a7fbda01_0_10:notes"/>
+          <p:cNvPr id="89" name="Google Shape;89;g268a7fbda01_0_10:notes"/>
           <p:cNvSpPr txBox="1"/>
           <p:nvPr>
             <p:ph idx="1" type="body"/>
@@ -1409,7 +1409,7 @@
   <p:cSld>
     <p:spTree>
       <p:nvGrpSpPr>
-        <p:cNvPr id="93" name="Shape 93"/>
+        <p:cNvPr id="94" name="Shape 94"/>
         <p:cNvGrpSpPr/>
         <p:nvPr/>
       </p:nvGrpSpPr>
@@ -1423,7 +1423,7 @@
       </p:grpSpPr>
       <p:sp>
         <p:nvSpPr>
-          <p:cNvPr id="94" name="Google Shape;94;g268a7fbda01_0_20:notes"/>
+          <p:cNvPr id="95" name="Google Shape;95;g268a7fbda01_0_20:notes"/>
           <p:cNvSpPr/>
           <p:nvPr>
             <p:ph idx="2" type="sldImg"/>
@@ -1458,7 +1458,7 @@
       </p:sp>
       <p:sp>
         <p:nvSpPr>
-          <p:cNvPr id="95" name="Google Shape;95;g268a7fbda01_0_20:notes"/>
+          <p:cNvPr id="96" name="Google Shape;96;g268a7fbda01_0_20:notes"/>
           <p:cNvSpPr txBox="1"/>
           <p:nvPr>
             <p:ph idx="1" type="body"/>
@@ -1508,7 +1508,7 @@
   <p:cSld>
     <p:spTree>
       <p:nvGrpSpPr>
-        <p:cNvPr id="100" name="Shape 100"/>
+        <p:cNvPr id="101" name="Shape 101"/>
         <p:cNvGrpSpPr/>
         <p:nvPr/>
       </p:nvGrpSpPr>
@@ -1522,7 +1522,7 @@
       </p:grpSpPr>
       <p:sp>
         <p:nvSpPr>
-          <p:cNvPr id="101" name="Google Shape;101;g268a7fbda01_0_26:notes"/>
+          <p:cNvPr id="102" name="Google Shape;102;g268a7fbda01_0_26:notes"/>
           <p:cNvSpPr/>
           <p:nvPr>
             <p:ph idx="2" type="sldImg"/>
@@ -1557,7 +1557,7 @@
       </p:sp>
       <p:sp>
         <p:nvSpPr>
-          <p:cNvPr id="102" name="Google Shape;102;g268a7fbda01_0_26:notes"/>
+          <p:cNvPr id="103" name="Google Shape;103;g268a7fbda01_0_26:notes"/>
           <p:cNvSpPr txBox="1"/>
           <p:nvPr>
             <p:ph idx="1" type="body"/>
@@ -1607,7 +1607,7 @@
   <p:cSld>
     <p:spTree>
       <p:nvGrpSpPr>
-        <p:cNvPr id="107" name="Shape 107"/>
+        <p:cNvPr id="108" name="Shape 108"/>
         <p:cNvGrpSpPr/>
         <p:nvPr/>
       </p:nvGrpSpPr>
@@ -1621,7 +1621,7 @@
       </p:grpSpPr>
       <p:sp>
         <p:nvSpPr>
-          <p:cNvPr id="108" name="Google Shape;108;g268a7fbda01_0_15:notes"/>
+          <p:cNvPr id="109" name="Google Shape;109;g268a7fbda01_0_15:notes"/>
           <p:cNvSpPr/>
           <p:nvPr>
             <p:ph idx="2" type="sldImg"/>
@@ -1656,7 +1656,7 @@
       </p:sp>
       <p:sp>
         <p:nvSpPr>
-          <p:cNvPr id="109" name="Google Shape;109;g268a7fbda01_0_15:notes"/>
+          <p:cNvPr id="110" name="Google Shape;110;g268a7fbda01_0_15:notes"/>
           <p:cNvSpPr txBox="1"/>
           <p:nvPr>
             <p:ph idx="1" type="body"/>
@@ -7044,7 +7044,7 @@
   <p:cSld>
     <p:spTree>
       <p:nvGrpSpPr>
-        <p:cNvPr id="117" name="Shape 117"/>
+        <p:cNvPr id="118" name="Shape 118"/>
         <p:cNvGrpSpPr/>
         <p:nvPr/>
       </p:nvGrpSpPr>
@@ -7058,7 +7058,7 @@
       </p:grpSpPr>
       <p:sp>
         <p:nvSpPr>
-          <p:cNvPr id="118" name="Google Shape;118;p22"/>
+          <p:cNvPr id="119" name="Google Shape;119;p22"/>
           <p:cNvSpPr txBox="1"/>
           <p:nvPr>
             <p:ph type="title"/>
@@ -7098,7 +7098,7 @@
       </p:sp>
       <p:sp>
         <p:nvSpPr>
-          <p:cNvPr id="119" name="Google Shape;119;p22"/>
+          <p:cNvPr id="120" name="Google Shape;120;p22"/>
           <p:cNvSpPr txBox="1"/>
           <p:nvPr>
             <p:ph idx="1" type="body"/>
@@ -7162,7 +7162,7 @@
       </p:sp>
       <p:sp>
         <p:nvSpPr>
-          <p:cNvPr id="120" name="Google Shape;120;p22"/>
+          <p:cNvPr id="121" name="Google Shape;121;p22"/>
           <p:cNvSpPr txBox="1"/>
           <p:nvPr/>
         </p:nvSpPr>
@@ -7958,7 +7958,7 @@
         <p:spPr>
           <a:xfrm>
             <a:off x="311700" y="1152475"/>
-            <a:ext cx="8520600" cy="3416400"/>
+            <a:ext cx="8520600" cy="1791900"/>
           </a:xfrm>
           <a:prstGeom prst="rect">
             <a:avLst/>
@@ -8053,6 +8053,121 @@
               <a:t>Beneventi Tommaso(developer): teamwork skills and all-around skills.</a:t>
             </a:r>
             <a:endParaRPr/>
+          </a:p>
+        </p:txBody>
+      </p:sp>
+      <p:sp>
+        <p:nvSpPr>
+          <p:cNvPr id="86" name="Google Shape;86;p17"/>
+          <p:cNvSpPr txBox="1"/>
+          <p:nvPr/>
+        </p:nvSpPr>
+        <p:spPr>
+          <a:xfrm>
+            <a:off x="604075" y="3610175"/>
+            <a:ext cx="8054700" cy="1148700"/>
+          </a:xfrm>
+          <a:prstGeom prst="rect">
+            <a:avLst/>
+          </a:prstGeom>
+          <a:noFill/>
+          <a:ln>
+            <a:noFill/>
+          </a:ln>
+        </p:spPr>
+        <p:txBody>
+          <a:bodyPr anchorCtr="0" anchor="t" bIns="91425" lIns="91425" spcFirstLastPara="1" rIns="91425" wrap="square" tIns="91425">
+            <a:noAutofit/>
+          </a:bodyPr>
+          <a:lstStyle/>
+          <a:p>
+            <a:pPr indent="0" lvl="0" marL="0" rtl="0" algn="l">
+              <a:spcBef>
+                <a:spcPts val="0"/>
+              </a:spcBef>
+              <a:spcAft>
+                <a:spcPts val="0"/>
+              </a:spcAft>
+              <a:buNone/>
+            </a:pPr>
+            <a:r>
+              <a:rPr lang="it" sz="1800">
+                <a:solidFill>
+                  <a:schemeClr val="accent3"/>
+                </a:solidFill>
+                <a:latin typeface="Average"/>
+                <a:ea typeface="Average"/>
+                <a:cs typeface="Average"/>
+                <a:sym typeface="Average"/>
+              </a:rPr>
+              <a:t>The work </a:t>
+            </a:r>
+            <a:r>
+              <a:rPr lang="it" sz="1800">
+                <a:solidFill>
+                  <a:schemeClr val="accent3"/>
+                </a:solidFill>
+                <a:latin typeface="Average"/>
+                <a:ea typeface="Average"/>
+                <a:cs typeface="Average"/>
+                <a:sym typeface="Average"/>
+              </a:rPr>
+              <a:t>distribution</a:t>
+            </a:r>
+            <a:r>
+              <a:rPr lang="it" sz="1800">
+                <a:solidFill>
+                  <a:schemeClr val="accent3"/>
+                </a:solidFill>
+                <a:latin typeface="Average"/>
+                <a:ea typeface="Average"/>
+                <a:cs typeface="Average"/>
+                <a:sym typeface="Average"/>
+              </a:rPr>
+              <a:t> is better explained here:</a:t>
+            </a:r>
+            <a:endParaRPr sz="1800">
+              <a:solidFill>
+                <a:schemeClr val="accent3"/>
+              </a:solidFill>
+              <a:latin typeface="Average"/>
+              <a:ea typeface="Average"/>
+              <a:cs typeface="Average"/>
+              <a:sym typeface="Average"/>
+            </a:endParaRPr>
+          </a:p>
+          <a:p>
+            <a:pPr indent="0" lvl="0" marL="0" rtl="0" algn="l">
+              <a:spcBef>
+                <a:spcPts val="0"/>
+              </a:spcBef>
+              <a:spcAft>
+                <a:spcPts val="0"/>
+              </a:spcAft>
+              <a:buNone/>
+            </a:pPr>
+            <a:r>
+              <a:rPr lang="it" sz="1800" u="sng">
+                <a:solidFill>
+                  <a:schemeClr val="hlink"/>
+                </a:solidFill>
+                <a:latin typeface="Average"/>
+                <a:ea typeface="Average"/>
+                <a:cs typeface="Average"/>
+                <a:sym typeface="Average"/>
+                <a:hlinkClick r:id="rId3"/>
+              </a:rPr>
+              <a:t>GitLab Work</a:t>
+            </a:r>
+            <a:endParaRPr sz="1800">
+              <a:solidFill>
+                <a:schemeClr val="accent3"/>
+              </a:solidFill>
+              <a:latin typeface="Average"/>
+              <a:ea typeface="Average"/>
+              <a:cs typeface="Average"/>
+              <a:sym typeface="Average"/>
+            </a:endParaRPr>
           </a:p>
         </p:txBody>
       </p:sp>
@@ -8069,7 +8184,7 @@
   <p:cSld>
     <p:spTree>
       <p:nvGrpSpPr>
-        <p:cNvPr id="89" name="Shape 89"/>
+        <p:cNvPr id="90" name="Shape 90"/>
         <p:cNvGrpSpPr/>
         <p:nvPr/>
       </p:nvGrpSpPr>
@@ -8083,7 +8198,7 @@
       </p:grpSpPr>
       <p:sp>
         <p:nvSpPr>
-          <p:cNvPr id="90" name="Google Shape;90;p18"/>
+          <p:cNvPr id="91" name="Google Shape;91;p18"/>
           <p:cNvSpPr txBox="1"/>
           <p:nvPr>
             <p:ph type="title"/>
@@ -8123,7 +8238,7 @@
       </p:sp>
       <p:sp>
         <p:nvSpPr>
-          <p:cNvPr id="91" name="Google Shape;91;p18"/>
+          <p:cNvPr id="92" name="Google Shape;92;p18"/>
           <p:cNvSpPr txBox="1"/>
           <p:nvPr>
             <p:ph idx="1" type="body"/>
@@ -8287,22 +8402,21 @@
       </p:sp>
       <p:pic>
         <p:nvPicPr>
-          <p:cNvPr id="92" name="Google Shape;92;p18"/>
+          <p:cNvPr id="93" name="Google Shape;93;p18"/>
           <p:cNvPicPr preferRelativeResize="0"/>
           <p:nvPr/>
         </p:nvPicPr>
-        <p:blipFill>
+        <p:blipFill rotWithShape="1">
           <a:blip r:embed="rId3">
             <a:alphaModFix/>
           </a:blip>
-          <a:stretch>
-            <a:fillRect/>
-          </a:stretch>
+          <a:srcRect b="6881" l="0" r="21722" t="0"/>
+          <a:stretch/>
         </p:blipFill>
         <p:spPr>
           <a:xfrm>
-            <a:off x="2829742" y="0"/>
-            <a:ext cx="6314260" cy="4582549"/>
+            <a:off x="2394000" y="0"/>
+            <a:ext cx="6686500" cy="4597399"/>
           </a:xfrm>
           <a:prstGeom prst="rect">
             <a:avLst/>
@@ -8326,7 +8440,7 @@
   <p:cSld>
     <p:spTree>
       <p:nvGrpSpPr>
-        <p:cNvPr id="96" name="Shape 96"/>
+        <p:cNvPr id="97" name="Shape 97"/>
         <p:cNvGrpSpPr/>
         <p:nvPr/>
       </p:nvGrpSpPr>
@@ -8340,7 +8454,7 @@
       </p:grpSpPr>
       <p:sp>
         <p:nvSpPr>
-          <p:cNvPr id="97" name="Google Shape;97;p19"/>
+          <p:cNvPr id="98" name="Google Shape;98;p19"/>
           <p:cNvSpPr txBox="1"/>
           <p:nvPr>
             <p:ph type="title"/>
@@ -8380,7 +8494,7 @@
       </p:sp>
       <p:sp>
         <p:nvSpPr>
-          <p:cNvPr id="98" name="Google Shape;98;p19"/>
+          <p:cNvPr id="99" name="Google Shape;99;p19"/>
           <p:cNvSpPr txBox="1"/>
           <p:nvPr>
             <p:ph idx="1" type="body"/>
@@ -8441,7 +8555,7 @@
       </p:sp>
       <p:sp>
         <p:nvSpPr>
-          <p:cNvPr id="99" name="Google Shape;99;p19"/>
+          <p:cNvPr id="100" name="Google Shape;100;p19"/>
           <p:cNvSpPr txBox="1"/>
           <p:nvPr/>
         </p:nvSpPr>
@@ -8700,7 +8814,7 @@
   <p:cSld>
     <p:spTree>
       <p:nvGrpSpPr>
-        <p:cNvPr id="103" name="Shape 103"/>
+        <p:cNvPr id="104" name="Shape 104"/>
         <p:cNvGrpSpPr/>
         <p:nvPr/>
       </p:nvGrpSpPr>
@@ -8714,7 +8828,7 @@
       </p:grpSpPr>
       <p:sp>
         <p:nvSpPr>
-          <p:cNvPr id="104" name="Google Shape;104;p20"/>
+          <p:cNvPr id="105" name="Google Shape;105;p20"/>
           <p:cNvSpPr txBox="1"/>
           <p:nvPr>
             <p:ph type="title"/>
@@ -8754,7 +8868,7 @@
       </p:sp>
       <p:sp>
         <p:nvSpPr>
-          <p:cNvPr id="105" name="Google Shape;105;p20"/>
+          <p:cNvPr id="106" name="Google Shape;106;p20"/>
           <p:cNvSpPr txBox="1"/>
           <p:nvPr/>
         </p:nvSpPr>
@@ -8812,7 +8926,7 @@
       </p:sp>
       <p:pic>
         <p:nvPicPr>
-          <p:cNvPr id="106" name="Google Shape;106;p20"/>
+          <p:cNvPr id="107" name="Google Shape;107;p20"/>
           <p:cNvPicPr preferRelativeResize="0"/>
           <p:nvPr/>
         </p:nvPicPr>
@@ -8851,7 +8965,7 @@
   <p:cSld>
     <p:spTree>
       <p:nvGrpSpPr>
-        <p:cNvPr id="110" name="Shape 110"/>
+        <p:cNvPr id="111" name="Shape 111"/>
         <p:cNvGrpSpPr/>
         <p:nvPr/>
       </p:nvGrpSpPr>
@@ -8865,7 +8979,7 @@
       </p:grpSpPr>
       <p:sp>
         <p:nvSpPr>
-          <p:cNvPr id="111" name="Google Shape;111;p21"/>
+          <p:cNvPr id="112" name="Google Shape;112;p21"/>
           <p:cNvSpPr txBox="1"/>
           <p:nvPr>
             <p:ph type="title"/>
@@ -8905,7 +9019,7 @@
       </p:sp>
       <p:sp>
         <p:nvSpPr>
-          <p:cNvPr id="112" name="Google Shape;112;p21"/>
+          <p:cNvPr id="113" name="Google Shape;113;p21"/>
           <p:cNvSpPr txBox="1"/>
           <p:nvPr>
             <p:ph idx="1" type="body"/>
@@ -8945,7 +9059,7 @@
       </p:sp>
       <p:pic>
         <p:nvPicPr>
-          <p:cNvPr id="113" name="Google Shape;113;p21"/>
+          <p:cNvPr id="114" name="Google Shape;114;p21"/>
           <p:cNvPicPr preferRelativeResize="0"/>
           <p:nvPr/>
         </p:nvPicPr>
@@ -8980,6 +9094,285 @@
 </file>
 
 <file path=ppt/theme/theme1.xml><?xml version="1.0" encoding="utf-8"?>
+<a:theme xmlns:a="http://schemas.openxmlformats.org/drawingml/2006/main" xmlns:r="http://schemas.openxmlformats.org/officeDocument/2006/relationships">
+  <a:themeElements>
+    <a:clrScheme name="Default">
+      <a:dk1>
+        <a:srgbClr val="000000"/>
+      </a:dk1>
+      <a:lt1>
+        <a:srgbClr val="FFFFFF"/>
+      </a:lt1>
+      <a:dk2>
+        <a:srgbClr val="158158"/>
+      </a:dk2>
+      <a:lt2>
+        <a:srgbClr val="F3F3F3"/>
+      </a:lt2>
+      <a:accent1>
+        <a:srgbClr val="058DC7"/>
+      </a:accent1>
+      <a:accent2>
+        <a:srgbClr val="50B432"/>
+      </a:accent2>
+      <a:accent3>
+        <a:srgbClr val="ED561B"/>
+      </a:accent3>
+      <a:accent4>
+        <a:srgbClr val="EDEF00"/>
+      </a:accent4>
+      <a:accent5>
+        <a:srgbClr val="24CBE5"/>
+      </a:accent5>
+      <a:accent6>
+        <a:srgbClr val="64E572"/>
+      </a:accent6>
+      <a:hlink>
+        <a:srgbClr val="2200CC"/>
+      </a:hlink>
+      <a:folHlink>
+        <a:srgbClr val="551A8B"/>
+      </a:folHlink>
+    </a:clrScheme>
+    <a:fontScheme name="Office">
+      <a:majorFont>
+        <a:latin typeface="Arial"/>
+        <a:ea typeface=""/>
+        <a:cs typeface=""/>
+        <a:font script="Jpan" typeface="ＭＳ Ｐゴシック"/>
+        <a:font script="Hang" typeface="맑은 고딕"/>
+        <a:font script="Hans" typeface="宋体"/>
+        <a:font script="Hant" typeface="新細明體"/>
+        <a:font script="Arab" typeface="Times New Roman"/>
+        <a:font script="Hebr" typeface="Times New Roman"/>
+        <a:font script="Thai" typeface="Angsana New"/>
+        <a:font script="Ethi" typeface="Nyala"/>
+        <a:font script="Beng" typeface="Vrinda"/>
+        <a:font script="Gujr" typeface="Shruti"/>
+        <a:font script="Khmr" typeface="MoolBoran"/>
+        <a:font script="Knda" typeface="Tunga"/>
+        <a:font script="Guru" typeface="Raavi"/>
+        <a:font script="Cans" typeface="Euphemia"/>
+        <a:font script="Cher" typeface="Plantagenet Cherokee"/>
+        <a:font script="Yiii" typeface="Microsoft Yi Baiti"/>
+        <a:font script="Tibt" typeface="Microsoft Himalaya"/>
+        <a:font script="Thaa" typeface="MV Boli"/>
+        <a:font script="Deva" typeface="Mangal"/>
+        <a:font script="Telu" typeface="Gautami"/>
+        <a:font script="Taml" typeface="Latha"/>
+        <a:font script="Syrc" typeface="Estrangelo Edessa"/>
+        <a:font script="Orya" typeface="Kalinga"/>
+        <a:font script="Mlym" typeface="Kartika"/>
+        <a:font script="Laoo" typeface="DokChampa"/>
+        <a:font script="Sinh" typeface="Iskoola Pota"/>
+        <a:font script="Mong" typeface="Mongolian Baiti"/>
+        <a:font script="Viet" typeface="Times New Roman"/>
+        <a:font script="Uigh" typeface="Microsoft Uighur"/>
+        <a:font script="Geor" typeface="Sylfaen"/>
+      </a:majorFont>
+      <a:minorFont>
+        <a:latin typeface="Arial"/>
+        <a:ea typeface=""/>
+        <a:cs typeface=""/>
+        <a:font script="Jpan" typeface="ＭＳ Ｐゴシック"/>
+        <a:font script="Hang" typeface="맑은 고딕"/>
+        <a:font script="Hans" typeface="宋体"/>
+        <a:font script="Hant" typeface="新細明體"/>
+        <a:font script="Arab" typeface="Arial"/>
+        <a:font script="Hebr" typeface="Arial"/>
+        <a:font script="Thai" typeface="Cordia New"/>
+        <a:font script="Ethi" typeface="Nyala"/>
+        <a:font script="Beng" typeface="Vrinda"/>
+        <a:font script="Gujr" typeface="Shruti"/>
+        <a:font script="Khmr" typeface="DaunPenh"/>
+        <a:font script="Knda" typeface="Tunga"/>
+        <a:font script="Guru" typeface="Raavi"/>
+        <a:font script="Cans" typeface="Euphemia"/>
+        <a:font script="Cher" typeface="Plantagenet Cherokee"/>
+        <a:font script="Yiii" typeface="Microsoft Yi Baiti"/>
+        <a:font script="Tibt" typeface="Microsoft Himalaya"/>
+        <a:font script="Thaa" typeface="MV Boli"/>
+        <a:font script="Deva" typeface="Mangal"/>
+        <a:font script="Telu" typeface="Gautami"/>
+        <a:font script="Taml" typeface="Latha"/>
+        <a:font script="Syrc" typeface="Estrangelo Edessa"/>
+        <a:font script="Orya" typeface="Kalinga"/>
+        <a:font script="Mlym" typeface="Kartika"/>
+        <a:font script="Laoo" typeface="DokChampa"/>
+        <a:font script="Sinh" typeface="Iskoola Pota"/>
+        <a:font script="Mong" typeface="Mongolian Baiti"/>
+        <a:font script="Viet" typeface="Arial"/>
+        <a:font script="Uigh" typeface="Microsoft Uighur"/>
+        <a:font script="Geor" typeface="Sylfaen"/>
+      </a:minorFont>
+    </a:fontScheme>
+    <a:fmtScheme name="Office">
+      <a:fillStyleLst>
+        <a:solidFill>
+          <a:schemeClr val="phClr"/>
+        </a:solidFill>
+        <a:gradFill rotWithShape="1">
+          <a:gsLst>
+            <a:gs pos="0">
+              <a:schemeClr val="phClr">
+                <a:tint val="50000"/>
+                <a:satMod val="300000"/>
+              </a:schemeClr>
+            </a:gs>
+            <a:gs pos="35000">
+              <a:schemeClr val="phClr">
+                <a:tint val="37000"/>
+                <a:satMod val="300000"/>
+              </a:schemeClr>
+            </a:gs>
+            <a:gs pos="100000">
+              <a:schemeClr val="phClr">
+                <a:tint val="15000"/>
+                <a:satMod val="350000"/>
+              </a:schemeClr>
+            </a:gs>
+          </a:gsLst>
+          <a:lin ang="16200000" scaled="1"/>
+        </a:gradFill>
+        <a:gradFill rotWithShape="1">
+          <a:gsLst>
+            <a:gs pos="0">
+              <a:schemeClr val="phClr">
+                <a:tint val="100000"/>
+                <a:shade val="100000"/>
+                <a:satMod val="130000"/>
+              </a:schemeClr>
+            </a:gs>
+            <a:gs pos="100000">
+              <a:schemeClr val="phClr">
+                <a:tint val="50000"/>
+                <a:shade val="100000"/>
+                <a:satMod val="350000"/>
+              </a:schemeClr>
+            </a:gs>
+          </a:gsLst>
+          <a:lin ang="16200000" scaled="0"/>
+        </a:gradFill>
+      </a:fillStyleLst>
+      <a:lnStyleLst>
+        <a:ln w="9525" cap="flat" cmpd="sng" algn="ctr">
+          <a:solidFill>
+            <a:schemeClr val="phClr">
+              <a:shade val="95000"/>
+              <a:satMod val="105000"/>
+            </a:schemeClr>
+          </a:solidFill>
+          <a:prstDash val="solid"/>
+        </a:ln>
+        <a:ln w="25400" cap="flat" cmpd="sng" algn="ctr">
+          <a:solidFill>
+            <a:schemeClr val="phClr"/>
+          </a:solidFill>
+          <a:prstDash val="solid"/>
+        </a:ln>
+        <a:ln w="38100" cap="flat" cmpd="sng" algn="ctr">
+          <a:solidFill>
+            <a:schemeClr val="phClr"/>
+          </a:solidFill>
+          <a:prstDash val="solid"/>
+        </a:ln>
+      </a:lnStyleLst>
+      <a:effectStyleLst>
+        <a:effectStyle>
+          <a:effectLst>
+            <a:outerShdw blurRad="40000" dist="20000" dir="5400000" rotWithShape="0">
+              <a:srgbClr val="000000">
+                <a:alpha val="38000"/>
+              </a:srgbClr>
+            </a:outerShdw>
+          </a:effectLst>
+        </a:effectStyle>
+        <a:effectStyle>
+          <a:effectLst>
+            <a:outerShdw blurRad="40000" dist="23000" dir="5400000" rotWithShape="0">
+              <a:srgbClr val="000000">
+                <a:alpha val="35000"/>
+              </a:srgbClr>
+            </a:outerShdw>
+          </a:effectLst>
+        </a:effectStyle>
+        <a:effectStyle>
+          <a:effectLst>
+            <a:outerShdw blurRad="40000" dist="23000" dir="5400000" rotWithShape="0">
+              <a:srgbClr val="000000">
+                <a:alpha val="35000"/>
+              </a:srgbClr>
+            </a:outerShdw>
+          </a:effectLst>
+          <a:scene3d>
+            <a:camera prst="orthographicFront">
+              <a:rot lat="0" lon="0" rev="0"/>
+            </a:camera>
+            <a:lightRig rig="threePt" dir="t">
+              <a:rot lat="0" lon="0" rev="1200000"/>
+            </a:lightRig>
+          </a:scene3d>
+          <a:sp3d>
+            <a:bevelT w="63500" h="25400"/>
+          </a:sp3d>
+        </a:effectStyle>
+      </a:effectStyleLst>
+      <a:bgFillStyleLst>
+        <a:solidFill>
+          <a:schemeClr val="phClr"/>
+        </a:solidFill>
+        <a:gradFill rotWithShape="1">
+          <a:gsLst>
+            <a:gs pos="0">
+              <a:schemeClr val="phClr">
+                <a:tint val="40000"/>
+                <a:satMod val="350000"/>
+              </a:schemeClr>
+            </a:gs>
+            <a:gs pos="40000">
+              <a:schemeClr val="phClr">
+                <a:tint val="45000"/>
+                <a:shade val="99000"/>
+                <a:satMod val="350000"/>
+              </a:schemeClr>
+            </a:gs>
+            <a:gs pos="100000">
+              <a:schemeClr val="phClr">
+                <a:shade val="20000"/>
+                <a:satMod val="255000"/>
+              </a:schemeClr>
+            </a:gs>
+          </a:gsLst>
+          <a:path path="circle">
+            <a:fillToRect l="50000" t="-80000" r="50000" b="180000"/>
+          </a:path>
+        </a:gradFill>
+        <a:gradFill rotWithShape="1">
+          <a:gsLst>
+            <a:gs pos="0">
+              <a:schemeClr val="phClr">
+                <a:tint val="80000"/>
+                <a:satMod val="300000"/>
+              </a:schemeClr>
+            </a:gs>
+            <a:gs pos="100000">
+              <a:schemeClr val="phClr">
+                <a:shade val="30000"/>
+                <a:satMod val="200000"/>
+              </a:schemeClr>
+            </a:gs>
+          </a:gsLst>
+          <a:path path="circle">
+            <a:fillToRect l="50000" t="50000" r="50000" b="50000"/>
+          </a:path>
+        </a:gradFill>
+      </a:bgFillStyleLst>
+    </a:fmtScheme>
+  </a:themeElements>
+</a:theme>
+</file>
+
+<file path=ppt/theme/theme2.xml><?xml version="1.0" encoding="utf-8"?>
 <a:theme xmlns:a="http://schemas.openxmlformats.org/drawingml/2006/main" xmlns:r="http://schemas.openxmlformats.org/officeDocument/2006/relationships" name="Slate">
   <a:themeElements>
     <a:clrScheme name="Slate">
@@ -9256,283 +9649,4 @@
     </a:fmtScheme>
   </a:themeElements>
 </a:theme>
-</file>
-
-<file path=ppt/theme/theme2.xml><?xml version="1.0" encoding="utf-8"?>
-<a:theme xmlns:a="http://schemas.openxmlformats.org/drawingml/2006/main" xmlns:r="http://schemas.openxmlformats.org/officeDocument/2006/relationships">
-  <a:themeElements>
-    <a:clrScheme name="Default">
-      <a:dk1>
-        <a:srgbClr val="000000"/>
-      </a:dk1>
-      <a:lt1>
-        <a:srgbClr val="FFFFFF"/>
-      </a:lt1>
-      <a:dk2>
-        <a:srgbClr val="158158"/>
-      </a:dk2>
-      <a:lt2>
-        <a:srgbClr val="F3F3F3"/>
-      </a:lt2>
-      <a:accent1>
-        <a:srgbClr val="058DC7"/>
-      </a:accent1>
-      <a:accent2>
-        <a:srgbClr val="50B432"/>
-      </a:accent2>
-      <a:accent3>
-        <a:srgbClr val="ED561B"/>
-      </a:accent3>
-      <a:accent4>
-        <a:srgbClr val="EDEF00"/>
-      </a:accent4>
-      <a:accent5>
-        <a:srgbClr val="24CBE5"/>
-      </a:accent5>
-      <a:accent6>
-        <a:srgbClr val="64E572"/>
-      </a:accent6>
-      <a:hlink>
-        <a:srgbClr val="2200CC"/>
-      </a:hlink>
-      <a:folHlink>
-        <a:srgbClr val="551A8B"/>
-      </a:folHlink>
-    </a:clrScheme>
-    <a:fontScheme name="Office">
-      <a:majorFont>
-        <a:latin typeface="Arial"/>
-        <a:ea typeface=""/>
-        <a:cs typeface=""/>
-        <a:font script="Jpan" typeface="ＭＳ Ｐゴシック"/>
-        <a:font script="Hang" typeface="맑은 고딕"/>
-        <a:font script="Hans" typeface="宋体"/>
-        <a:font script="Hant" typeface="新細明體"/>
-        <a:font script="Arab" typeface="Times New Roman"/>
-        <a:font script="Hebr" typeface="Times New Roman"/>
-        <a:font script="Thai" typeface="Angsana New"/>
-        <a:font script="Ethi" typeface="Nyala"/>
-        <a:font script="Beng" typeface="Vrinda"/>
-        <a:font script="Gujr" typeface="Shruti"/>
-        <a:font script="Khmr" typeface="MoolBoran"/>
-        <a:font script="Knda" typeface="Tunga"/>
-        <a:font script="Guru" typeface="Raavi"/>
-        <a:font script="Cans" typeface="Euphemia"/>
-        <a:font script="Cher" typeface="Plantagenet Cherokee"/>
-        <a:font script="Yiii" typeface="Microsoft Yi Baiti"/>
-        <a:font script="Tibt" typeface="Microsoft Himalaya"/>
-        <a:font script="Thaa" typeface="MV Boli"/>
-        <a:font script="Deva" typeface="Mangal"/>
-        <a:font script="Telu" typeface="Gautami"/>
-        <a:font script="Taml" typeface="Latha"/>
-        <a:font script="Syrc" typeface="Estrangelo Edessa"/>
-        <a:font script="Orya" typeface="Kalinga"/>
-        <a:font script="Mlym" typeface="Kartika"/>
-        <a:font script="Laoo" typeface="DokChampa"/>
-        <a:font script="Sinh" typeface="Iskoola Pota"/>
-        <a:font script="Mong" typeface="Mongolian Baiti"/>
-        <a:font script="Viet" typeface="Times New Roman"/>
-        <a:font script="Uigh" typeface="Microsoft Uighur"/>
-        <a:font script="Geor" typeface="Sylfaen"/>
-      </a:majorFont>
-      <a:minorFont>
-        <a:latin typeface="Arial"/>
-        <a:ea typeface=""/>
-        <a:cs typeface=""/>
-        <a:font script="Jpan" typeface="ＭＳ Ｐゴシック"/>
-        <a:font script="Hang" typeface="맑은 고딕"/>
-        <a:font script="Hans" typeface="宋体"/>
-        <a:font script="Hant" typeface="新細明體"/>
-        <a:font script="Arab" typeface="Arial"/>
-        <a:font script="Hebr" typeface="Arial"/>
-        <a:font script="Thai" typeface="Cordia New"/>
-        <a:font script="Ethi" typeface="Nyala"/>
-        <a:font script="Beng" typeface="Vrinda"/>
-        <a:font script="Gujr" typeface="Shruti"/>
-        <a:font script="Khmr" typeface="DaunPenh"/>
-        <a:font script="Knda" typeface="Tunga"/>
-        <a:font script="Guru" typeface="Raavi"/>
-        <a:font script="Cans" typeface="Euphemia"/>
-        <a:font script="Cher" typeface="Plantagenet Cherokee"/>
-        <a:font script="Yiii" typeface="Microsoft Yi Baiti"/>
-        <a:font script="Tibt" typeface="Microsoft Himalaya"/>
-        <a:font script="Thaa" typeface="MV Boli"/>
-        <a:font script="Deva" typeface="Mangal"/>
-        <a:font script="Telu" typeface="Gautami"/>
-        <a:font script="Taml" typeface="Latha"/>
-        <a:font script="Syrc" typeface="Estrangelo Edessa"/>
-        <a:font script="Orya" typeface="Kalinga"/>
-        <a:font script="Mlym" typeface="Kartika"/>
-        <a:font script="Laoo" typeface="DokChampa"/>
-        <a:font script="Sinh" typeface="Iskoola Pota"/>
-        <a:font script="Mong" typeface="Mongolian Baiti"/>
-        <a:font script="Viet" typeface="Arial"/>
-        <a:font script="Uigh" typeface="Microsoft Uighur"/>
-        <a:font script="Geor" typeface="Sylfaen"/>
-      </a:minorFont>
-    </a:fontScheme>
-    <a:fmtScheme name="Office">
-      <a:fillStyleLst>
-        <a:solidFill>
-          <a:schemeClr val="phClr"/>
-        </a:solidFill>
-        <a:gradFill rotWithShape="1">
-          <a:gsLst>
-            <a:gs pos="0">
-              <a:schemeClr val="phClr">
-                <a:tint val="50000"/>
-                <a:satMod val="300000"/>
-              </a:schemeClr>
-            </a:gs>
-            <a:gs pos="35000">
-              <a:schemeClr val="phClr">
-                <a:tint val="37000"/>
-                <a:satMod val="300000"/>
-              </a:schemeClr>
-            </a:gs>
-            <a:gs pos="100000">
-              <a:schemeClr val="phClr">
-                <a:tint val="15000"/>
-                <a:satMod val="350000"/>
-              </a:schemeClr>
-            </a:gs>
-          </a:gsLst>
-          <a:lin ang="16200000" scaled="1"/>
-        </a:gradFill>
-        <a:gradFill rotWithShape="1">
-          <a:gsLst>
-            <a:gs pos="0">
-              <a:schemeClr val="phClr">
-                <a:tint val="100000"/>
-                <a:shade val="100000"/>
-                <a:satMod val="130000"/>
-              </a:schemeClr>
-            </a:gs>
-            <a:gs pos="100000">
-              <a:schemeClr val="phClr">
-                <a:tint val="50000"/>
-                <a:shade val="100000"/>
-                <a:satMod val="350000"/>
-              </a:schemeClr>
-            </a:gs>
-          </a:gsLst>
-          <a:lin ang="16200000" scaled="0"/>
-        </a:gradFill>
-      </a:fillStyleLst>
-      <a:lnStyleLst>
-        <a:ln w="9525" cap="flat" cmpd="sng" algn="ctr">
-          <a:solidFill>
-            <a:schemeClr val="phClr">
-              <a:shade val="95000"/>
-              <a:satMod val="105000"/>
-            </a:schemeClr>
-          </a:solidFill>
-          <a:prstDash val="solid"/>
-        </a:ln>
-        <a:ln w="25400" cap="flat" cmpd="sng" algn="ctr">
-          <a:solidFill>
-            <a:schemeClr val="phClr"/>
-          </a:solidFill>
-          <a:prstDash val="solid"/>
-        </a:ln>
-        <a:ln w="38100" cap="flat" cmpd="sng" algn="ctr">
-          <a:solidFill>
-            <a:schemeClr val="phClr"/>
-          </a:solidFill>
-          <a:prstDash val="solid"/>
-        </a:ln>
-      </a:lnStyleLst>
-      <a:effectStyleLst>
-        <a:effectStyle>
-          <a:effectLst>
-            <a:outerShdw blurRad="40000" dist="20000" dir="5400000" rotWithShape="0">
-              <a:srgbClr val="000000">
-                <a:alpha val="38000"/>
-              </a:srgbClr>
-            </a:outerShdw>
-          </a:effectLst>
-        </a:effectStyle>
-        <a:effectStyle>
-          <a:effectLst>
-            <a:outerShdw blurRad="40000" dist="23000" dir="5400000" rotWithShape="0">
-              <a:srgbClr val="000000">
-                <a:alpha val="35000"/>
-              </a:srgbClr>
-            </a:outerShdw>
-          </a:effectLst>
-        </a:effectStyle>
-        <a:effectStyle>
-          <a:effectLst>
-            <a:outerShdw blurRad="40000" dist="23000" dir="5400000" rotWithShape="0">
-              <a:srgbClr val="000000">
-                <a:alpha val="35000"/>
-              </a:srgbClr>
-            </a:outerShdw>
-          </a:effectLst>
-          <a:scene3d>
-            <a:camera prst="orthographicFront">
-              <a:rot lat="0" lon="0" rev="0"/>
-            </a:camera>
-            <a:lightRig rig="threePt" dir="t">
-              <a:rot lat="0" lon="0" rev="1200000"/>
-            </a:lightRig>
-          </a:scene3d>
-          <a:sp3d>
-            <a:bevelT w="63500" h="25400"/>
-          </a:sp3d>
-        </a:effectStyle>
-      </a:effectStyleLst>
-      <a:bgFillStyleLst>
-        <a:solidFill>
-          <a:schemeClr val="phClr"/>
-        </a:solidFill>
-        <a:gradFill rotWithShape="1">
-          <a:gsLst>
-            <a:gs pos="0">
-              <a:schemeClr val="phClr">
-                <a:tint val="40000"/>
-                <a:satMod val="350000"/>
-              </a:schemeClr>
-            </a:gs>
-            <a:gs pos="40000">
-              <a:schemeClr val="phClr">
-                <a:tint val="45000"/>
-                <a:shade val="99000"/>
-                <a:satMod val="350000"/>
-              </a:schemeClr>
-            </a:gs>
-            <a:gs pos="100000">
-              <a:schemeClr val="phClr">
-                <a:shade val="20000"/>
-                <a:satMod val="255000"/>
-              </a:schemeClr>
-            </a:gs>
-          </a:gsLst>
-          <a:path path="circle">
-            <a:fillToRect l="50000" t="-80000" r="50000" b="180000"/>
-          </a:path>
-        </a:gradFill>
-        <a:gradFill rotWithShape="1">
-          <a:gsLst>
-            <a:gs pos="0">
-              <a:schemeClr val="phClr">
-                <a:tint val="80000"/>
-                <a:satMod val="300000"/>
-              </a:schemeClr>
-            </a:gs>
-            <a:gs pos="100000">
-              <a:schemeClr val="phClr">
-                <a:shade val="30000"/>
-                <a:satMod val="200000"/>
-              </a:schemeClr>
-            </a:gs>
-          </a:gsLst>
-          <a:path path="circle">
-            <a:fillToRect l="50000" t="50000" r="50000" b="50000"/>
-          </a:path>
-        </a:gradFill>
-      </a:bgFillStyleLst>
-    </a:fmtScheme>
-  </a:themeElements>
-</a:theme>
 </file>